--- a/Branching Strategy.pptx
+++ b/Branching Strategy.pptx
@@ -293,7 +293,7 @@
           <a:p>
             <a:fld id="{8839E6B8-AE44-4E4D-B3CE-5639A35B70C6}" type="datetimeFigureOut">
               <a:rPr lang="en-SG" smtClean="0"/>
-              <a:t>28/3/2013</a:t>
+              <a:t>1/4/2013</a:t>
             </a:fld>
             <a:endParaRPr lang="en-SG"/>
           </a:p>
@@ -463,7 +463,7 @@
           <a:p>
             <a:fld id="{8839E6B8-AE44-4E4D-B3CE-5639A35B70C6}" type="datetimeFigureOut">
               <a:rPr lang="en-SG" smtClean="0"/>
-              <a:t>28/3/2013</a:t>
+              <a:t>1/4/2013</a:t>
             </a:fld>
             <a:endParaRPr lang="en-SG"/>
           </a:p>
@@ -643,7 +643,7 @@
           <a:p>
             <a:fld id="{8839E6B8-AE44-4E4D-B3CE-5639A35B70C6}" type="datetimeFigureOut">
               <a:rPr lang="en-SG" smtClean="0"/>
-              <a:t>28/3/2013</a:t>
+              <a:t>1/4/2013</a:t>
             </a:fld>
             <a:endParaRPr lang="en-SG"/>
           </a:p>
@@ -813,7 +813,7 @@
           <a:p>
             <a:fld id="{8839E6B8-AE44-4E4D-B3CE-5639A35B70C6}" type="datetimeFigureOut">
               <a:rPr lang="en-SG" smtClean="0"/>
-              <a:t>28/3/2013</a:t>
+              <a:t>1/4/2013</a:t>
             </a:fld>
             <a:endParaRPr lang="en-SG"/>
           </a:p>
@@ -1059,7 +1059,7 @@
           <a:p>
             <a:fld id="{8839E6B8-AE44-4E4D-B3CE-5639A35B70C6}" type="datetimeFigureOut">
               <a:rPr lang="en-SG" smtClean="0"/>
-              <a:t>28/3/2013</a:t>
+              <a:t>1/4/2013</a:t>
             </a:fld>
             <a:endParaRPr lang="en-SG"/>
           </a:p>
@@ -1347,7 +1347,7 @@
           <a:p>
             <a:fld id="{8839E6B8-AE44-4E4D-B3CE-5639A35B70C6}" type="datetimeFigureOut">
               <a:rPr lang="en-SG" smtClean="0"/>
-              <a:t>28/3/2013</a:t>
+              <a:t>1/4/2013</a:t>
             </a:fld>
             <a:endParaRPr lang="en-SG"/>
           </a:p>
@@ -1769,7 +1769,7 @@
           <a:p>
             <a:fld id="{8839E6B8-AE44-4E4D-B3CE-5639A35B70C6}" type="datetimeFigureOut">
               <a:rPr lang="en-SG" smtClean="0"/>
-              <a:t>28/3/2013</a:t>
+              <a:t>1/4/2013</a:t>
             </a:fld>
             <a:endParaRPr lang="en-SG"/>
           </a:p>
@@ -1887,7 +1887,7 @@
           <a:p>
             <a:fld id="{8839E6B8-AE44-4E4D-B3CE-5639A35B70C6}" type="datetimeFigureOut">
               <a:rPr lang="en-SG" smtClean="0"/>
-              <a:t>28/3/2013</a:t>
+              <a:t>1/4/2013</a:t>
             </a:fld>
             <a:endParaRPr lang="en-SG"/>
           </a:p>
@@ -1982,7 +1982,7 @@
           <a:p>
             <a:fld id="{8839E6B8-AE44-4E4D-B3CE-5639A35B70C6}" type="datetimeFigureOut">
               <a:rPr lang="en-SG" smtClean="0"/>
-              <a:t>28/3/2013</a:t>
+              <a:t>1/4/2013</a:t>
             </a:fld>
             <a:endParaRPr lang="en-SG"/>
           </a:p>
@@ -2259,7 +2259,7 @@
           <a:p>
             <a:fld id="{8839E6B8-AE44-4E4D-B3CE-5639A35B70C6}" type="datetimeFigureOut">
               <a:rPr lang="en-SG" smtClean="0"/>
-              <a:t>28/3/2013</a:t>
+              <a:t>1/4/2013</a:t>
             </a:fld>
             <a:endParaRPr lang="en-SG"/>
           </a:p>
@@ -2512,7 +2512,7 @@
           <a:p>
             <a:fld id="{8839E6B8-AE44-4E4D-B3CE-5639A35B70C6}" type="datetimeFigureOut">
               <a:rPr lang="en-SG" smtClean="0"/>
-              <a:t>28/3/2013</a:t>
+              <a:t>1/4/2013</a:t>
             </a:fld>
             <a:endParaRPr lang="en-SG"/>
           </a:p>
@@ -2725,7 +2725,7 @@
           <a:p>
             <a:fld id="{8839E6B8-AE44-4E4D-B3CE-5639A35B70C6}" type="datetimeFigureOut">
               <a:rPr lang="en-SG" smtClean="0"/>
-              <a:t>28/3/2013</a:t>
+              <a:t>1/4/2013</a:t>
             </a:fld>
             <a:endParaRPr lang="en-SG"/>
           </a:p>
@@ -3117,42 +3117,30 @@
           <a:p>
             <a:r>
               <a:rPr lang="en-US" dirty="0" smtClean="0"/>
-              <a:t>Native </a:t>
-            </a:r>
-            <a:r>
-              <a:rPr lang="en-US" dirty="0" err="1" smtClean="0"/>
-              <a:t>Git</a:t>
-            </a:r>
+              <a:t>Branching Strategy</a:t>
+            </a:r>
+            <a:endParaRPr lang="en-SG" dirty="0"/>
+          </a:p>
+        </p:txBody>
+      </p:sp>
+      <p:sp>
+        <p:nvSpPr>
+          <p:cNvPr id="3" name="Subtitle 2"/>
+          <p:cNvSpPr>
+            <a:spLocks noGrp="1"/>
+          </p:cNvSpPr>
+          <p:nvPr>
+            <p:ph type="subTitle" idx="1"/>
+          </p:nvPr>
+        </p:nvSpPr>
+        <p:spPr/>
+        <p:txBody>
+          <a:bodyPr/>
+          <a:lstStyle/>
+          <a:p>
             <a:r>
               <a:rPr lang="en-US" dirty="0" smtClean="0"/>
-              <a:t> Commands</a:t>
-            </a:r>
-            <a:endParaRPr lang="en-SG" dirty="0"/>
-          </a:p>
-        </p:txBody>
-      </p:sp>
-      <p:sp>
-        <p:nvSpPr>
-          <p:cNvPr id="3" name="Subtitle 2"/>
-          <p:cNvSpPr>
-            <a:spLocks noGrp="1"/>
-          </p:cNvSpPr>
-          <p:nvPr>
-            <p:ph type="subTitle" idx="1"/>
-          </p:nvPr>
-        </p:nvSpPr>
-        <p:spPr/>
-        <p:txBody>
-          <a:bodyPr/>
-          <a:lstStyle/>
-          <a:p>
-            <a:r>
-              <a:rPr lang="en-US" dirty="0" smtClean="0"/>
-              <a:t>Commands you can use in </a:t>
-            </a:r>
-            <a:r>
-              <a:rPr lang="en-US" dirty="0" err="1" smtClean="0"/>
-              <a:t>GitBash</a:t>
+              <a:t>Strategies to apply for different projects</a:t>
             </a:r>
             <a:endParaRPr lang="en-SG" dirty="0"/>
           </a:p>
@@ -3168,6 +3156,13 @@
   <p:clrMapOvr>
     <a:masterClrMapping/>
   </p:clrMapOvr>
+  <p:timing>
+    <p:tnLst>
+      <p:par>
+        <p:cTn id="1" dur="indefinite" restart="never" nodeType="tmRoot"/>
+      </p:par>
+    </p:tnLst>
+  </p:timing>
 </p:sld>
 </file>
 
@@ -3220,74 +3215,9 @@
         <p:spPr/>
         <p:txBody>
           <a:bodyPr>
-            <a:normAutofit fontScale="85000" lnSpcReduction="20000"/>
+            <a:normAutofit/>
           </a:bodyPr>
           <a:lstStyle/>
-          <a:p>
-            <a:r>
-              <a:rPr lang="en-US" dirty="0" smtClean="0"/>
-              <a:t>Place new file into local repo</a:t>
-            </a:r>
-          </a:p>
-          <a:p>
-            <a:r>
-              <a:rPr lang="en-US" dirty="0" smtClean="0"/>
-              <a:t>Commit changes</a:t>
-            </a:r>
-          </a:p>
-          <a:p>
-            <a:r>
-              <a:rPr lang="en-US" dirty="0" smtClean="0"/>
-              <a:t>Push</a:t>
-            </a:r>
-          </a:p>
-          <a:p>
-            <a:r>
-              <a:rPr lang="en-US" dirty="0" smtClean="0"/>
-              <a:t>Pull</a:t>
-            </a:r>
-          </a:p>
-          <a:p>
-            <a:r>
-              <a:rPr lang="en-US" dirty="0" smtClean="0"/>
-              <a:t>Remove file from local repo</a:t>
-            </a:r>
-          </a:p>
-          <a:p>
-            <a:r>
-              <a:rPr lang="en-US" dirty="0" smtClean="0"/>
-              <a:t>Rollback</a:t>
-            </a:r>
-          </a:p>
-          <a:p>
-            <a:r>
-              <a:rPr lang="en-US" dirty="0" smtClean="0"/>
-              <a:t>Check status</a:t>
-            </a:r>
-          </a:p>
-          <a:p>
-            <a:r>
-              <a:rPr lang="en-US" dirty="0" smtClean="0"/>
-              <a:t>Revert</a:t>
-            </a:r>
-          </a:p>
-          <a:p>
-            <a:r>
-              <a:rPr lang="en-US" dirty="0" smtClean="0"/>
-              <a:t>Clone Repo</a:t>
-            </a:r>
-          </a:p>
-          <a:p>
-            <a:r>
-              <a:rPr lang="en-US" dirty="0" smtClean="0"/>
-              <a:t>Check diff between 2 versions of </a:t>
-            </a:r>
-            <a:r>
-              <a:rPr lang="en-US" smtClean="0"/>
-              <a:t>the same file</a:t>
-            </a:r>
-            <a:endParaRPr lang="en-US" dirty="0" smtClean="0"/>
-          </a:p>
           <a:p>
             <a:endParaRPr lang="en-SG" dirty="0"/>
           </a:p>
@@ -3303,6 +3233,13 @@
   <p:clrMapOvr>
     <a:masterClrMapping/>
   </p:clrMapOvr>
+  <p:timing>
+    <p:tnLst>
+      <p:par>
+        <p:cTn id="1" dur="indefinite" restart="never" nodeType="tmRoot"/>
+      </p:par>
+    </p:tnLst>
+  </p:timing>
 </p:sld>
 </file>
 
